--- a/slides/L-06.pptx
+++ b/slides/L-06.pptx
@@ -224,7 +224,7 @@
           <a:p>
             <a:fld id="{3F14252C-1F43-2E4C-92B8-5FE5D4FE55D5}" type="datetimeFigureOut">
               <a:rPr lang="en-US" smtClean="0"/>
-              <a:t>10/12/22</a:t>
+              <a:t>10/30/23</a:t>
             </a:fld>
             <a:endParaRPr lang="en-US"/>
           </a:p>
@@ -2998,7 +2998,7 @@
           <a:p>
             <a:fld id="{72EA7947-E287-4738-8C82-07CE4F01EF03}" type="datetime2">
               <a:rPr lang="en-US" smtClean="0"/>
-              <a:t>Wednesday, October 12, 2022</a:t>
+              <a:t>Monday, October 30, 2023</a:t>
             </a:fld>
             <a:endParaRPr lang="en-US" dirty="0"/>
           </a:p>
@@ -4034,7 +4034,7 @@
           <a:p>
             <a:fld id="{EE2EBD84-71F4-4271-8C46-0D47C0A9B12E}" type="datetime2">
               <a:rPr lang="en-US" smtClean="0"/>
-              <a:t>Wednesday, October 12, 2022</a:t>
+              <a:t>Monday, October 30, 2023</a:t>
             </a:fld>
             <a:endParaRPr lang="en-US"/>
           </a:p>
@@ -4245,7 +4245,7 @@
           <a:p>
             <a:fld id="{ABAE0CE1-F450-4107-B2CB-17B18F8A3F4A}" type="datetime2">
               <a:rPr lang="en-US" smtClean="0"/>
-              <a:t>Wednesday, October 12, 2022</a:t>
+              <a:t>Monday, October 30, 2023</a:t>
             </a:fld>
             <a:endParaRPr lang="en-US"/>
           </a:p>
@@ -4910,7 +4910,7 @@
           <a:p>
             <a:fld id="{6FE8C025-CD7A-4966-867E-81CF82B15267}" type="datetime2">
               <a:rPr lang="en-US" smtClean="0"/>
-              <a:t>Wednesday, October 12, 2022</a:t>
+              <a:t>Monday, October 30, 2023</a:t>
             </a:fld>
             <a:endParaRPr lang="en-US"/>
           </a:p>
@@ -5530,7 +5530,7 @@
           <a:p>
             <a:fld id="{FE809929-0719-4517-94D6-FDF7F99E70F6}" type="datetime2">
               <a:rPr lang="en-US" smtClean="0"/>
-              <a:t>Wednesday, October 12, 2022</a:t>
+              <a:t>Monday, October 30, 2023</a:t>
             </a:fld>
             <a:endParaRPr lang="en-US"/>
           </a:p>
@@ -6648,7 +6648,7 @@
           <a:p>
             <a:fld id="{20E95673-5512-4AAA-9AEB-E00C61EC65D5}" type="datetime2">
               <a:rPr lang="en-US" smtClean="0"/>
-              <a:t>Wednesday, October 12, 2022</a:t>
+              <a:t>Monday, October 30, 2023</a:t>
             </a:fld>
             <a:endParaRPr lang="en-US"/>
           </a:p>
@@ -7195,7 +7195,7 @@
           <a:p>
             <a:fld id="{C13138FA-2E87-4873-8BBA-13E447C9A99A}" type="datetime2">
               <a:rPr lang="en-US" smtClean="0"/>
-              <a:t>Wednesday, October 12, 2022</a:t>
+              <a:t>Monday, October 30, 2023</a:t>
             </a:fld>
             <a:endParaRPr lang="en-US"/>
           </a:p>
@@ -7356,7 +7356,7 @@
           <a:p>
             <a:fld id="{D75BB40A-97BD-4BFB-B639-0BFF95FDE8B7}" type="datetime2">
               <a:rPr lang="en-US" smtClean="0"/>
-              <a:t>Wednesday, October 12, 2022</a:t>
+              <a:t>Monday, October 30, 2023</a:t>
             </a:fld>
             <a:endParaRPr lang="en-US"/>
           </a:p>
@@ -8391,7 +8391,7 @@
           <a:p>
             <a:fld id="{9EE9E0E3-ECF6-4CFE-8698-AEFEBCECC3C0}" type="datetime2">
               <a:rPr lang="en-US" smtClean="0"/>
-              <a:t>Wednesday, October 12, 2022</a:t>
+              <a:t>Monday, October 30, 2023</a:t>
             </a:fld>
             <a:endParaRPr lang="en-US"/>
           </a:p>
@@ -9037,7 +9037,7 @@
           <a:p>
             <a:fld id="{251462FC-960E-4740-921F-B36862979F21}" type="datetime2">
               <a:rPr lang="en-US" smtClean="0"/>
-              <a:t>Wednesday, October 12, 2022</a:t>
+              <a:t>Monday, October 30, 2023</a:t>
             </a:fld>
             <a:endParaRPr lang="en-US"/>
           </a:p>
@@ -9801,7 +9801,7 @@
           <a:p>
             <a:fld id="{E50BC9E2-CB44-4C05-9BB5-496C18A241E0}" type="datetime2">
               <a:rPr lang="en-US" smtClean="0"/>
-              <a:t>Wednesday, October 12, 2022</a:t>
+              <a:t>Monday, October 30, 2023</a:t>
             </a:fld>
             <a:endParaRPr lang="en-US"/>
           </a:p>
@@ -10054,7 +10054,7 @@
           <a:p>
             <a:fld id="{246CB39B-5F4C-4A7E-9BE3-AAFD45576D16}" type="datetime2">
               <a:rPr lang="en-US" smtClean="0"/>
-              <a:t>Wednesday, October 12, 2022</a:t>
+              <a:t>Monday, October 30, 2023</a:t>
             </a:fld>
             <a:endParaRPr lang="en-US" dirty="0"/>
           </a:p>
